--- a/pictures/picopanion.pptx
+++ b/pictures/picopanion.pptx
@@ -9,7 +9,10 @@
     <p:sldId id="277" r:id="rId3"/>
     <p:sldId id="257" r:id="rId4"/>
     <p:sldId id="279" r:id="rId5"/>
-    <p:sldId id="260" r:id="rId6"/>
+    <p:sldId id="280" r:id="rId6"/>
+    <p:sldId id="281" r:id="rId7"/>
+    <p:sldId id="282" r:id="rId8"/>
+    <p:sldId id="260" r:id="rId9"/>
   </p:sldIdLst>
   <p:sldSz cx="12192000" cy="6858000"/>
   <p:notesSz cx="6858000" cy="9144000"/>
@@ -706,7 +709,7 @@
           <a:p>
             <a:fld id="{A7B9D6B2-6E72-414D-A401-C31D54EA2B4F}" type="datetimeFigureOut">
               <a:rPr lang="fr-FR" smtClean="0"/>
-              <a:t>08/09/2023</a:t>
+              <a:t>09/09/2023</a:t>
             </a:fld>
             <a:endParaRPr lang="fr-FR"/>
           </a:p>
@@ -760,7 +763,7 @@
           <a:p>
             <a:fld id="{E8A8F4E3-D314-4B12-B9FC-8C87B18BFC60}" type="slidenum">
               <a:rPr lang="fr-FR" smtClean="0"/>
-              <a:t>‹#›</a:t>
+              <a:t>‹N°›</a:t>
             </a:fld>
             <a:endParaRPr lang="fr-FR"/>
           </a:p>
@@ -906,7 +909,7 @@
           <a:p>
             <a:fld id="{A7B9D6B2-6E72-414D-A401-C31D54EA2B4F}" type="datetimeFigureOut">
               <a:rPr lang="fr-FR" smtClean="0"/>
-              <a:t>08/09/2023</a:t>
+              <a:t>09/09/2023</a:t>
             </a:fld>
             <a:endParaRPr lang="fr-FR"/>
           </a:p>
@@ -960,7 +963,7 @@
           <a:p>
             <a:fld id="{E8A8F4E3-D314-4B12-B9FC-8C87B18BFC60}" type="slidenum">
               <a:rPr lang="fr-FR" smtClean="0"/>
-              <a:t>‹#›</a:t>
+              <a:t>‹N°›</a:t>
             </a:fld>
             <a:endParaRPr lang="fr-FR"/>
           </a:p>
@@ -1116,7 +1119,7 @@
           <a:p>
             <a:fld id="{A7B9D6B2-6E72-414D-A401-C31D54EA2B4F}" type="datetimeFigureOut">
               <a:rPr lang="fr-FR" smtClean="0"/>
-              <a:t>08/09/2023</a:t>
+              <a:t>09/09/2023</a:t>
             </a:fld>
             <a:endParaRPr lang="fr-FR"/>
           </a:p>
@@ -1170,7 +1173,7 @@
           <a:p>
             <a:fld id="{E8A8F4E3-D314-4B12-B9FC-8C87B18BFC60}" type="slidenum">
               <a:rPr lang="fr-FR" smtClean="0"/>
-              <a:t>‹#›</a:t>
+              <a:t>‹N°›</a:t>
             </a:fld>
             <a:endParaRPr lang="fr-FR"/>
           </a:p>
@@ -1316,7 +1319,7 @@
           <a:p>
             <a:fld id="{A7B9D6B2-6E72-414D-A401-C31D54EA2B4F}" type="datetimeFigureOut">
               <a:rPr lang="fr-FR" smtClean="0"/>
-              <a:t>08/09/2023</a:t>
+              <a:t>09/09/2023</a:t>
             </a:fld>
             <a:endParaRPr lang="fr-FR"/>
           </a:p>
@@ -1370,7 +1373,7 @@
           <a:p>
             <a:fld id="{E8A8F4E3-D314-4B12-B9FC-8C87B18BFC60}" type="slidenum">
               <a:rPr lang="fr-FR" smtClean="0"/>
-              <a:t>‹#›</a:t>
+              <a:t>‹N°›</a:t>
             </a:fld>
             <a:endParaRPr lang="fr-FR"/>
           </a:p>
@@ -1592,7 +1595,7 @@
           <a:p>
             <a:fld id="{A7B9D6B2-6E72-414D-A401-C31D54EA2B4F}" type="datetimeFigureOut">
               <a:rPr lang="fr-FR" smtClean="0"/>
-              <a:t>08/09/2023</a:t>
+              <a:t>09/09/2023</a:t>
             </a:fld>
             <a:endParaRPr lang="fr-FR"/>
           </a:p>
@@ -1646,7 +1649,7 @@
           <a:p>
             <a:fld id="{E8A8F4E3-D314-4B12-B9FC-8C87B18BFC60}" type="slidenum">
               <a:rPr lang="fr-FR" smtClean="0"/>
-              <a:t>‹#›</a:t>
+              <a:t>‹N°›</a:t>
             </a:fld>
             <a:endParaRPr lang="fr-FR"/>
           </a:p>
@@ -1860,7 +1863,7 @@
           <a:p>
             <a:fld id="{A7B9D6B2-6E72-414D-A401-C31D54EA2B4F}" type="datetimeFigureOut">
               <a:rPr lang="fr-FR" smtClean="0"/>
-              <a:t>08/09/2023</a:t>
+              <a:t>09/09/2023</a:t>
             </a:fld>
             <a:endParaRPr lang="fr-FR"/>
           </a:p>
@@ -1914,7 +1917,7 @@
           <a:p>
             <a:fld id="{E8A8F4E3-D314-4B12-B9FC-8C87B18BFC60}" type="slidenum">
               <a:rPr lang="fr-FR" smtClean="0"/>
-              <a:t>‹#›</a:t>
+              <a:t>‹N°›</a:t>
             </a:fld>
             <a:endParaRPr lang="fr-FR"/>
           </a:p>
@@ -2275,7 +2278,7 @@
           <a:p>
             <a:fld id="{A7B9D6B2-6E72-414D-A401-C31D54EA2B4F}" type="datetimeFigureOut">
               <a:rPr lang="fr-FR" smtClean="0"/>
-              <a:t>08/09/2023</a:t>
+              <a:t>09/09/2023</a:t>
             </a:fld>
             <a:endParaRPr lang="fr-FR"/>
           </a:p>
@@ -2329,7 +2332,7 @@
           <a:p>
             <a:fld id="{E8A8F4E3-D314-4B12-B9FC-8C87B18BFC60}" type="slidenum">
               <a:rPr lang="fr-FR" smtClean="0"/>
-              <a:t>‹#›</a:t>
+              <a:t>‹N°›</a:t>
             </a:fld>
             <a:endParaRPr lang="fr-FR"/>
           </a:p>
@@ -2417,7 +2420,7 @@
           <a:p>
             <a:fld id="{A7B9D6B2-6E72-414D-A401-C31D54EA2B4F}" type="datetimeFigureOut">
               <a:rPr lang="fr-FR" smtClean="0"/>
-              <a:t>08/09/2023</a:t>
+              <a:t>09/09/2023</a:t>
             </a:fld>
             <a:endParaRPr lang="fr-FR"/>
           </a:p>
@@ -2471,7 +2474,7 @@
           <a:p>
             <a:fld id="{E8A8F4E3-D314-4B12-B9FC-8C87B18BFC60}" type="slidenum">
               <a:rPr lang="fr-FR" smtClean="0"/>
-              <a:t>‹#›</a:t>
+              <a:t>‹N°›</a:t>
             </a:fld>
             <a:endParaRPr lang="fr-FR"/>
           </a:p>
@@ -2530,7 +2533,7 @@
           <a:p>
             <a:fld id="{A7B9D6B2-6E72-414D-A401-C31D54EA2B4F}" type="datetimeFigureOut">
               <a:rPr lang="fr-FR" smtClean="0"/>
-              <a:t>08/09/2023</a:t>
+              <a:t>09/09/2023</a:t>
             </a:fld>
             <a:endParaRPr lang="fr-FR"/>
           </a:p>
@@ -2584,7 +2587,7 @@
           <a:p>
             <a:fld id="{E8A8F4E3-D314-4B12-B9FC-8C87B18BFC60}" type="slidenum">
               <a:rPr lang="fr-FR" smtClean="0"/>
-              <a:t>‹#›</a:t>
+              <a:t>‹N°›</a:t>
             </a:fld>
             <a:endParaRPr lang="fr-FR"/>
           </a:p>
@@ -2843,7 +2846,7 @@
           <a:p>
             <a:fld id="{A7B9D6B2-6E72-414D-A401-C31D54EA2B4F}" type="datetimeFigureOut">
               <a:rPr lang="fr-FR" smtClean="0"/>
-              <a:t>08/09/2023</a:t>
+              <a:t>09/09/2023</a:t>
             </a:fld>
             <a:endParaRPr lang="fr-FR"/>
           </a:p>
@@ -2897,7 +2900,7 @@
           <a:p>
             <a:fld id="{E8A8F4E3-D314-4B12-B9FC-8C87B18BFC60}" type="slidenum">
               <a:rPr lang="fr-FR" smtClean="0"/>
-              <a:t>‹#›</a:t>
+              <a:t>‹N°›</a:t>
             </a:fld>
             <a:endParaRPr lang="fr-FR"/>
           </a:p>
@@ -3132,7 +3135,7 @@
           <a:p>
             <a:fld id="{A7B9D6B2-6E72-414D-A401-C31D54EA2B4F}" type="datetimeFigureOut">
               <a:rPr lang="fr-FR" smtClean="0"/>
-              <a:t>08/09/2023</a:t>
+              <a:t>09/09/2023</a:t>
             </a:fld>
             <a:endParaRPr lang="fr-FR"/>
           </a:p>
@@ -3186,7 +3189,7 @@
           <a:p>
             <a:fld id="{E8A8F4E3-D314-4B12-B9FC-8C87B18BFC60}" type="slidenum">
               <a:rPr lang="fr-FR" smtClean="0"/>
-              <a:t>‹#›</a:t>
+              <a:t>‹N°›</a:t>
             </a:fld>
             <a:endParaRPr lang="fr-FR"/>
           </a:p>
@@ -3375,7 +3378,7 @@
           <a:p>
             <a:fld id="{A7B9D6B2-6E72-414D-A401-C31D54EA2B4F}" type="datetimeFigureOut">
               <a:rPr lang="fr-FR" smtClean="0"/>
-              <a:t>08/09/2023</a:t>
+              <a:t>09/09/2023</a:t>
             </a:fld>
             <a:endParaRPr lang="fr-FR"/>
           </a:p>
@@ -3465,7 +3468,7 @@
           <a:p>
             <a:fld id="{E8A8F4E3-D314-4B12-B9FC-8C87B18BFC60}" type="slidenum">
               <a:rPr lang="fr-FR" smtClean="0"/>
-              <a:t>‹#›</a:t>
+              <a:t>‹N°›</a:t>
             </a:fld>
             <a:endParaRPr lang="fr-FR"/>
           </a:p>
@@ -15230,6 +15233,1114 @@
           <a:chExt cx="0" cy="0"/>
         </a:xfrm>
       </p:grpSpPr>
+      <p:grpSp>
+        <p:nvGrpSpPr>
+          <p:cNvPr id="8" name="Groupe 7">
+            <a:extLst>
+              <a:ext uri="{FF2B5EF4-FFF2-40B4-BE49-F238E27FC236}">
+                <a16:creationId xmlns:a16="http://schemas.microsoft.com/office/drawing/2014/main" id="{EC98CE27-868D-E958-42C6-526FEFB9902E}"/>
+              </a:ext>
+            </a:extLst>
+          </p:cNvPr>
+          <p:cNvGrpSpPr/>
+          <p:nvPr/>
+        </p:nvGrpSpPr>
+        <p:grpSpPr>
+          <a:xfrm>
+            <a:off x="1524000" y="0"/>
+            <a:ext cx="9144000" cy="6858000"/>
+            <a:chOff x="1524000" y="0"/>
+            <a:chExt cx="9144000" cy="6858000"/>
+          </a:xfrm>
+        </p:grpSpPr>
+        <p:pic>
+          <p:nvPicPr>
+            <p:cNvPr id="3" name="Image 2">
+              <a:extLst>
+                <a:ext uri="{FF2B5EF4-FFF2-40B4-BE49-F238E27FC236}">
+                  <a16:creationId xmlns:a16="http://schemas.microsoft.com/office/drawing/2014/main" id="{4465B255-9824-B16C-6802-8A6408B1D29A}"/>
+                </a:ext>
+              </a:extLst>
+            </p:cNvPr>
+            <p:cNvPicPr>
+              <a:picLocks noChangeAspect="1"/>
+            </p:cNvPicPr>
+            <p:nvPr/>
+          </p:nvPicPr>
+          <p:blipFill>
+            <a:blip r:embed="rId2">
+              <a:extLst>
+                <a:ext uri="{28A0092B-C50C-407E-A947-70E740481C1C}">
+                  <a14:useLocalDpi xmlns:a14="http://schemas.microsoft.com/office/drawing/2010/main" val="0"/>
+                </a:ext>
+              </a:extLst>
+            </a:blip>
+            <a:stretch>
+              <a:fillRect/>
+            </a:stretch>
+          </p:blipFill>
+          <p:spPr>
+            <a:xfrm>
+              <a:off x="1524000" y="0"/>
+              <a:ext cx="9144000" cy="6858000"/>
+            </a:xfrm>
+            <a:prstGeom prst="rect">
+              <a:avLst/>
+            </a:prstGeom>
+          </p:spPr>
+        </p:pic>
+        <p:sp>
+          <p:nvSpPr>
+            <p:cNvPr id="4" name="Bulle narrative : rectangle 3">
+              <a:extLst>
+                <a:ext uri="{FF2B5EF4-FFF2-40B4-BE49-F238E27FC236}">
+                  <a16:creationId xmlns:a16="http://schemas.microsoft.com/office/drawing/2014/main" id="{1AD0624A-A9FB-B4A4-E8CB-C8DDC7943C4B}"/>
+                </a:ext>
+              </a:extLst>
+            </p:cNvPr>
+            <p:cNvSpPr/>
+            <p:nvPr/>
+          </p:nvSpPr>
+          <p:spPr>
+            <a:xfrm>
+              <a:off x="9047019" y="3429000"/>
+              <a:ext cx="1371600" cy="1094509"/>
+            </a:xfrm>
+            <a:prstGeom prst="wedgeRectCallout">
+              <a:avLst>
+                <a:gd name="adj1" fmla="val -133964"/>
+                <a:gd name="adj2" fmla="val 53639"/>
+              </a:avLst>
+            </a:prstGeom>
+          </p:spPr>
+          <p:style>
+            <a:lnRef idx="2">
+              <a:schemeClr val="accent1">
+                <a:shade val="15000"/>
+              </a:schemeClr>
+            </a:lnRef>
+            <a:fillRef idx="1">
+              <a:schemeClr val="accent1"/>
+            </a:fillRef>
+            <a:effectRef idx="0">
+              <a:schemeClr val="accent1"/>
+            </a:effectRef>
+            <a:fontRef idx="minor">
+              <a:schemeClr val="lt1"/>
+            </a:fontRef>
+          </p:style>
+          <p:txBody>
+            <a:bodyPr rtlCol="0" anchor="ctr"/>
+            <a:lstStyle/>
+            <a:p>
+              <a:pPr algn="ctr"/>
+              <a:r>
+                <a:rPr lang="fr-FR" dirty="0"/>
+                <a:t>Novation </a:t>
+              </a:r>
+              <a:r>
+                <a:rPr lang="fr-FR" dirty="0" err="1"/>
+                <a:t>Launchpad</a:t>
+              </a:r>
+              <a:r>
+                <a:rPr lang="fr-FR" dirty="0"/>
+                <a:t> mini</a:t>
+              </a:r>
+            </a:p>
+          </p:txBody>
+        </p:sp>
+        <p:sp>
+          <p:nvSpPr>
+            <p:cNvPr id="5" name="Bulle narrative : rectangle 4">
+              <a:extLst>
+                <a:ext uri="{FF2B5EF4-FFF2-40B4-BE49-F238E27FC236}">
+                  <a16:creationId xmlns:a16="http://schemas.microsoft.com/office/drawing/2014/main" id="{9F26B9BC-1536-87EA-1DE4-90E300F2EE27}"/>
+                </a:ext>
+              </a:extLst>
+            </p:cNvPr>
+            <p:cNvSpPr/>
+            <p:nvPr/>
+          </p:nvSpPr>
+          <p:spPr>
+            <a:xfrm>
+              <a:off x="8955897" y="845127"/>
+              <a:ext cx="1371600" cy="822321"/>
+            </a:xfrm>
+            <a:prstGeom prst="wedgeRectCallout">
+              <a:avLst>
+                <a:gd name="adj1" fmla="val -259217"/>
+                <a:gd name="adj2" fmla="val 9834"/>
+              </a:avLst>
+            </a:prstGeom>
+          </p:spPr>
+          <p:style>
+            <a:lnRef idx="2">
+              <a:schemeClr val="accent1">
+                <a:shade val="15000"/>
+              </a:schemeClr>
+            </a:lnRef>
+            <a:fillRef idx="1">
+              <a:schemeClr val="accent1"/>
+            </a:fillRef>
+            <a:effectRef idx="0">
+              <a:schemeClr val="accent1"/>
+            </a:effectRef>
+            <a:fontRef idx="minor">
+              <a:schemeClr val="lt1"/>
+            </a:fontRef>
+          </p:style>
+          <p:txBody>
+            <a:bodyPr rtlCol="0" anchor="ctr"/>
+            <a:lstStyle/>
+            <a:p>
+              <a:pPr algn="ctr"/>
+              <a:r>
+                <a:rPr lang="fr-FR" dirty="0"/>
+                <a:t>Audio out</a:t>
+              </a:r>
+              <a:br>
+                <a:rPr lang="fr-FR" dirty="0"/>
+              </a:br>
+              <a:r>
+                <a:rPr lang="fr-FR" dirty="0"/>
+                <a:t>(line out)</a:t>
+              </a:r>
+            </a:p>
+          </p:txBody>
+        </p:sp>
+        <p:sp>
+          <p:nvSpPr>
+            <p:cNvPr id="6" name="Bulle narrative : rectangle 5">
+              <a:extLst>
+                <a:ext uri="{FF2B5EF4-FFF2-40B4-BE49-F238E27FC236}">
+                  <a16:creationId xmlns:a16="http://schemas.microsoft.com/office/drawing/2014/main" id="{FB494F51-9CEB-7A71-00C9-A05772E3B68B}"/>
+                </a:ext>
+              </a:extLst>
+            </p:cNvPr>
+            <p:cNvSpPr/>
+            <p:nvPr/>
+          </p:nvSpPr>
+          <p:spPr>
+            <a:xfrm>
+              <a:off x="3908577" y="43115"/>
+              <a:ext cx="1825600" cy="995009"/>
+            </a:xfrm>
+            <a:prstGeom prst="wedgeRectCallout">
+              <a:avLst>
+                <a:gd name="adj1" fmla="val 54442"/>
+                <a:gd name="adj2" fmla="val 83154"/>
+              </a:avLst>
+            </a:prstGeom>
+          </p:spPr>
+          <p:style>
+            <a:lnRef idx="2">
+              <a:schemeClr val="accent1">
+                <a:shade val="15000"/>
+              </a:schemeClr>
+            </a:lnRef>
+            <a:fillRef idx="1">
+              <a:schemeClr val="accent1"/>
+            </a:fillRef>
+            <a:effectRef idx="0">
+              <a:schemeClr val="accent1"/>
+            </a:effectRef>
+            <a:fontRef idx="minor">
+              <a:schemeClr val="lt1"/>
+            </a:fontRef>
+          </p:style>
+          <p:txBody>
+            <a:bodyPr rtlCol="0" anchor="ctr"/>
+            <a:lstStyle/>
+            <a:p>
+              <a:pPr algn="ctr"/>
+              <a:r>
+                <a:rPr lang="fr-FR" dirty="0"/>
+                <a:t>TRRS </a:t>
+              </a:r>
+              <a:r>
+                <a:rPr lang="fr-FR" dirty="0" err="1"/>
+                <a:t>cable</a:t>
+              </a:r>
+              <a:r>
+                <a:rPr lang="fr-FR" dirty="0"/>
+                <a:t> for </a:t>
+              </a:r>
+              <a:r>
+                <a:rPr lang="fr-FR" dirty="0" err="1"/>
+                <a:t>external</a:t>
+              </a:r>
+              <a:r>
+                <a:rPr lang="fr-FR" dirty="0"/>
+                <a:t> </a:t>
+              </a:r>
+              <a:r>
+                <a:rPr lang="fr-FR" dirty="0" err="1"/>
+                <a:t>optional</a:t>
+              </a:r>
+              <a:r>
+                <a:rPr lang="fr-FR" dirty="0"/>
+                <a:t> </a:t>
+              </a:r>
+              <a:r>
+                <a:rPr lang="fr-FR" dirty="0" err="1"/>
+                <a:t>controller</a:t>
+              </a:r>
+              <a:endParaRPr lang="fr-FR" dirty="0"/>
+            </a:p>
+          </p:txBody>
+        </p:sp>
+        <p:sp>
+          <p:nvSpPr>
+            <p:cNvPr id="7" name="Bulle narrative : rectangle 6">
+              <a:extLst>
+                <a:ext uri="{FF2B5EF4-FFF2-40B4-BE49-F238E27FC236}">
+                  <a16:creationId xmlns:a16="http://schemas.microsoft.com/office/drawing/2014/main" id="{7CA0F3CA-BEEB-2A47-A153-E30A5F5A3ACC}"/>
+                </a:ext>
+              </a:extLst>
+            </p:cNvPr>
+            <p:cNvSpPr/>
+            <p:nvPr/>
+          </p:nvSpPr>
+          <p:spPr>
+            <a:xfrm>
+              <a:off x="1913522" y="5515660"/>
+              <a:ext cx="1825600" cy="995009"/>
+            </a:xfrm>
+            <a:prstGeom prst="wedgeRectCallout">
+              <a:avLst>
+                <a:gd name="adj1" fmla="val -199"/>
+                <a:gd name="adj2" fmla="val -401403"/>
+              </a:avLst>
+            </a:prstGeom>
+          </p:spPr>
+          <p:style>
+            <a:lnRef idx="2">
+              <a:schemeClr val="accent1">
+                <a:shade val="15000"/>
+              </a:schemeClr>
+            </a:lnRef>
+            <a:fillRef idx="1">
+              <a:schemeClr val="accent1"/>
+            </a:fillRef>
+            <a:effectRef idx="0">
+              <a:schemeClr val="accent1"/>
+            </a:effectRef>
+            <a:fontRef idx="minor">
+              <a:schemeClr val="lt1"/>
+            </a:fontRef>
+          </p:style>
+          <p:txBody>
+            <a:bodyPr rtlCol="0" anchor="ctr"/>
+            <a:lstStyle/>
+            <a:p>
+              <a:pPr algn="ctr"/>
+              <a:r>
+                <a:rPr lang="fr-FR" dirty="0" err="1"/>
+                <a:t>external</a:t>
+              </a:r>
+              <a:r>
+                <a:rPr lang="fr-FR" dirty="0"/>
+                <a:t> </a:t>
+              </a:r>
+              <a:r>
+                <a:rPr lang="fr-FR" dirty="0" err="1"/>
+                <a:t>optional</a:t>
+              </a:r>
+              <a:r>
+                <a:rPr lang="fr-FR" dirty="0"/>
+                <a:t> </a:t>
+              </a:r>
+              <a:r>
+                <a:rPr lang="fr-FR" dirty="0" err="1"/>
+                <a:t>controller</a:t>
+              </a:r>
+              <a:endParaRPr lang="fr-FR" dirty="0"/>
+            </a:p>
+          </p:txBody>
+        </p:sp>
+      </p:grpSp>
+    </p:spTree>
+    <p:extLst>
+      <p:ext uri="{BB962C8B-B14F-4D97-AF65-F5344CB8AC3E}">
+        <p14:creationId xmlns:p14="http://schemas.microsoft.com/office/powerpoint/2010/main" val="722520838"/>
+      </p:ext>
+    </p:extLst>
+  </p:cSld>
+  <p:clrMapOvr>
+    <a:masterClrMapping/>
+  </p:clrMapOvr>
+</p:sld>
+</file>
+
+<file path=ppt/slides/slide6.xml><?xml version="1.0" encoding="utf-8"?>
+<p:sld xmlns:a="http://schemas.openxmlformats.org/drawingml/2006/main" xmlns:r="http://schemas.openxmlformats.org/officeDocument/2006/relationships" xmlns:p="http://schemas.openxmlformats.org/presentationml/2006/main">
+  <p:cSld>
+    <p:spTree>
+      <p:nvGrpSpPr>
+        <p:cNvPr id="1" name=""/>
+        <p:cNvGrpSpPr/>
+        <p:nvPr/>
+      </p:nvGrpSpPr>
+      <p:grpSpPr>
+        <a:xfrm>
+          <a:off x="0" y="0"/>
+          <a:ext cx="0" cy="0"/>
+          <a:chOff x="0" y="0"/>
+          <a:chExt cx="0" cy="0"/>
+        </a:xfrm>
+      </p:grpSpPr>
+      <p:grpSp>
+        <p:nvGrpSpPr>
+          <p:cNvPr id="10" name="Groupe 9">
+            <a:extLst>
+              <a:ext uri="{FF2B5EF4-FFF2-40B4-BE49-F238E27FC236}">
+                <a16:creationId xmlns:a16="http://schemas.microsoft.com/office/drawing/2014/main" id="{CC8DAFAD-EFC0-596F-28BD-A3A0EB9AFF6B}"/>
+              </a:ext>
+            </a:extLst>
+          </p:cNvPr>
+          <p:cNvGrpSpPr/>
+          <p:nvPr/>
+        </p:nvGrpSpPr>
+        <p:grpSpPr>
+          <a:xfrm>
+            <a:off x="1524000" y="0"/>
+            <a:ext cx="9144000" cy="6858000"/>
+            <a:chOff x="1524000" y="0"/>
+            <a:chExt cx="9144000" cy="6858000"/>
+          </a:xfrm>
+        </p:grpSpPr>
+        <p:pic>
+          <p:nvPicPr>
+            <p:cNvPr id="3" name="Image 2">
+              <a:extLst>
+                <a:ext uri="{FF2B5EF4-FFF2-40B4-BE49-F238E27FC236}">
+                  <a16:creationId xmlns:a16="http://schemas.microsoft.com/office/drawing/2014/main" id="{A645BB44-9FC7-2555-4E10-898FA17AA753}"/>
+                </a:ext>
+              </a:extLst>
+            </p:cNvPr>
+            <p:cNvPicPr>
+              <a:picLocks noChangeAspect="1"/>
+            </p:cNvPicPr>
+            <p:nvPr/>
+          </p:nvPicPr>
+          <p:blipFill>
+            <a:blip r:embed="rId2">
+              <a:extLst>
+                <a:ext uri="{28A0092B-C50C-407E-A947-70E740481C1C}">
+                  <a14:useLocalDpi xmlns:a14="http://schemas.microsoft.com/office/drawing/2010/main" val="0"/>
+                </a:ext>
+              </a:extLst>
+            </a:blip>
+            <a:stretch>
+              <a:fillRect/>
+            </a:stretch>
+          </p:blipFill>
+          <p:spPr>
+            <a:xfrm>
+              <a:off x="1524000" y="0"/>
+              <a:ext cx="9144000" cy="6858000"/>
+            </a:xfrm>
+            <a:prstGeom prst="rect">
+              <a:avLst/>
+            </a:prstGeom>
+          </p:spPr>
+        </p:pic>
+        <p:sp>
+          <p:nvSpPr>
+            <p:cNvPr id="4" name="Bulle narrative : rectangle 3">
+              <a:extLst>
+                <a:ext uri="{FF2B5EF4-FFF2-40B4-BE49-F238E27FC236}">
+                  <a16:creationId xmlns:a16="http://schemas.microsoft.com/office/drawing/2014/main" id="{2FCE3AD7-6C41-8A86-00A4-F259BA6C0822}"/>
+                </a:ext>
+              </a:extLst>
+            </p:cNvPr>
+            <p:cNvSpPr/>
+            <p:nvPr/>
+          </p:nvSpPr>
+          <p:spPr>
+            <a:xfrm>
+              <a:off x="9296400" y="173182"/>
+              <a:ext cx="1371600" cy="1094509"/>
+            </a:xfrm>
+            <a:prstGeom prst="wedgeRectCallout">
+              <a:avLst>
+                <a:gd name="adj1" fmla="val -15782"/>
+                <a:gd name="adj2" fmla="val 113133"/>
+              </a:avLst>
+            </a:prstGeom>
+          </p:spPr>
+          <p:style>
+            <a:lnRef idx="2">
+              <a:schemeClr val="accent1">
+                <a:shade val="15000"/>
+              </a:schemeClr>
+            </a:lnRef>
+            <a:fillRef idx="1">
+              <a:schemeClr val="accent1"/>
+            </a:fillRef>
+            <a:effectRef idx="0">
+              <a:schemeClr val="accent1"/>
+            </a:effectRef>
+            <a:fontRef idx="minor">
+              <a:schemeClr val="lt1"/>
+            </a:fontRef>
+          </p:style>
+          <p:txBody>
+            <a:bodyPr rtlCol="0" anchor="ctr"/>
+            <a:lstStyle/>
+            <a:p>
+              <a:pPr algn="ctr"/>
+              <a:r>
+                <a:rPr lang="fr-FR" dirty="0"/>
+                <a:t>Novation </a:t>
+              </a:r>
+              <a:r>
+                <a:rPr lang="fr-FR" dirty="0" err="1"/>
+                <a:t>Launchpad</a:t>
+              </a:r>
+              <a:r>
+                <a:rPr lang="fr-FR" dirty="0"/>
+                <a:t> mini</a:t>
+              </a:r>
+            </a:p>
+          </p:txBody>
+        </p:sp>
+        <p:sp>
+          <p:nvSpPr>
+            <p:cNvPr id="5" name="Bulle narrative : rectangle 4">
+              <a:extLst>
+                <a:ext uri="{FF2B5EF4-FFF2-40B4-BE49-F238E27FC236}">
+                  <a16:creationId xmlns:a16="http://schemas.microsoft.com/office/drawing/2014/main" id="{97EF6230-8AF9-F454-8F50-9E77D0A61EBD}"/>
+                </a:ext>
+              </a:extLst>
+            </p:cNvPr>
+            <p:cNvSpPr/>
+            <p:nvPr/>
+          </p:nvSpPr>
+          <p:spPr>
+            <a:xfrm>
+              <a:off x="9074728" y="5590309"/>
+              <a:ext cx="1371600" cy="1094509"/>
+            </a:xfrm>
+            <a:prstGeom prst="wedgeRectCallout">
+              <a:avLst>
+                <a:gd name="adj1" fmla="val -161237"/>
+                <a:gd name="adj2" fmla="val -103323"/>
+              </a:avLst>
+            </a:prstGeom>
+          </p:spPr>
+          <p:style>
+            <a:lnRef idx="2">
+              <a:schemeClr val="accent1">
+                <a:shade val="15000"/>
+              </a:schemeClr>
+            </a:lnRef>
+            <a:fillRef idx="1">
+              <a:schemeClr val="accent1"/>
+            </a:fillRef>
+            <a:effectRef idx="0">
+              <a:schemeClr val="accent1"/>
+            </a:effectRef>
+            <a:fontRef idx="minor">
+              <a:schemeClr val="lt1"/>
+            </a:fontRef>
+          </p:style>
+          <p:txBody>
+            <a:bodyPr rtlCol="0" anchor="ctr"/>
+            <a:lstStyle/>
+            <a:p>
+              <a:pPr algn="ctr"/>
+              <a:r>
+                <a:rPr lang="fr-FR" dirty="0"/>
+                <a:t>Power </a:t>
+              </a:r>
+              <a:r>
+                <a:rPr lang="fr-FR" dirty="0" err="1"/>
+                <a:t>bank</a:t>
+              </a:r>
+              <a:r>
+                <a:rPr lang="fr-FR" dirty="0"/>
+                <a:t>, 5V 1A</a:t>
+              </a:r>
+            </a:p>
+          </p:txBody>
+        </p:sp>
+        <p:sp>
+          <p:nvSpPr>
+            <p:cNvPr id="6" name="Bulle narrative : rectangle 5">
+              <a:extLst>
+                <a:ext uri="{FF2B5EF4-FFF2-40B4-BE49-F238E27FC236}">
+                  <a16:creationId xmlns:a16="http://schemas.microsoft.com/office/drawing/2014/main" id="{BA699B9B-6281-CE0F-558E-EF80C4F835AE}"/>
+                </a:ext>
+              </a:extLst>
+            </p:cNvPr>
+            <p:cNvSpPr/>
+            <p:nvPr/>
+          </p:nvSpPr>
+          <p:spPr>
+            <a:xfrm>
+              <a:off x="2798993" y="5590308"/>
+              <a:ext cx="2008160" cy="1094509"/>
+            </a:xfrm>
+            <a:prstGeom prst="wedgeRectCallout">
+              <a:avLst>
+                <a:gd name="adj1" fmla="val 79167"/>
+                <a:gd name="adj2" fmla="val -134969"/>
+              </a:avLst>
+            </a:prstGeom>
+          </p:spPr>
+          <p:style>
+            <a:lnRef idx="2">
+              <a:schemeClr val="accent1">
+                <a:shade val="15000"/>
+              </a:schemeClr>
+            </a:lnRef>
+            <a:fillRef idx="1">
+              <a:schemeClr val="accent1"/>
+            </a:fillRef>
+            <a:effectRef idx="0">
+              <a:schemeClr val="accent1"/>
+            </a:effectRef>
+            <a:fontRef idx="minor">
+              <a:schemeClr val="lt1"/>
+            </a:fontRef>
+          </p:style>
+          <p:txBody>
+            <a:bodyPr rtlCol="0" anchor="ctr"/>
+            <a:lstStyle/>
+            <a:p>
+              <a:pPr algn="ctr"/>
+              <a:r>
+                <a:rPr lang="fr-FR" dirty="0"/>
+                <a:t>Micro USB to USB A </a:t>
+              </a:r>
+              <a:r>
+                <a:rPr lang="fr-FR" dirty="0" err="1"/>
+                <a:t>female</a:t>
+              </a:r>
+              <a:r>
+                <a:rPr lang="fr-FR" dirty="0"/>
+                <a:t>, USB A male to USB B male</a:t>
+              </a:r>
+            </a:p>
+          </p:txBody>
+        </p:sp>
+        <p:sp>
+          <p:nvSpPr>
+            <p:cNvPr id="7" name="Bulle narrative : rectangle 6">
+              <a:extLst>
+                <a:ext uri="{FF2B5EF4-FFF2-40B4-BE49-F238E27FC236}">
+                  <a16:creationId xmlns:a16="http://schemas.microsoft.com/office/drawing/2014/main" id="{5264195F-7BB5-A61E-8022-72593D26EF35}"/>
+                </a:ext>
+              </a:extLst>
+            </p:cNvPr>
+            <p:cNvSpPr/>
+            <p:nvPr/>
+          </p:nvSpPr>
+          <p:spPr>
+            <a:xfrm>
+              <a:off x="1607825" y="3609109"/>
+              <a:ext cx="1508760" cy="1094509"/>
+            </a:xfrm>
+            <a:prstGeom prst="wedgeRectCallout">
+              <a:avLst>
+                <a:gd name="adj1" fmla="val 131142"/>
+                <a:gd name="adj2" fmla="val -105855"/>
+              </a:avLst>
+            </a:prstGeom>
+          </p:spPr>
+          <p:style>
+            <a:lnRef idx="2">
+              <a:schemeClr val="accent1">
+                <a:shade val="15000"/>
+              </a:schemeClr>
+            </a:lnRef>
+            <a:fillRef idx="1">
+              <a:schemeClr val="accent1"/>
+            </a:fillRef>
+            <a:effectRef idx="0">
+              <a:schemeClr val="accent1"/>
+            </a:effectRef>
+            <a:fontRef idx="minor">
+              <a:schemeClr val="lt1"/>
+            </a:fontRef>
+          </p:style>
+          <p:txBody>
+            <a:bodyPr rtlCol="0" anchor="ctr"/>
+            <a:lstStyle/>
+            <a:p>
+              <a:pPr algn="ctr"/>
+              <a:r>
+                <a:rPr lang="fr-FR" dirty="0"/>
+                <a:t>Raspberry PICO + </a:t>
+              </a:r>
+              <a:r>
+                <a:rPr lang="fr-FR" dirty="0" err="1"/>
+                <a:t>Pimironi</a:t>
+              </a:r>
+              <a:r>
+                <a:rPr lang="fr-FR" dirty="0"/>
+                <a:t> pico audio </a:t>
+              </a:r>
+              <a:r>
+                <a:rPr lang="fr-FR" dirty="0" err="1"/>
+                <a:t>hat</a:t>
+              </a:r>
+              <a:endParaRPr lang="fr-FR" dirty="0"/>
+            </a:p>
+          </p:txBody>
+        </p:sp>
+        <p:sp>
+          <p:nvSpPr>
+            <p:cNvPr id="8" name="Bulle narrative : rectangle 7">
+              <a:extLst>
+                <a:ext uri="{FF2B5EF4-FFF2-40B4-BE49-F238E27FC236}">
+                  <a16:creationId xmlns:a16="http://schemas.microsoft.com/office/drawing/2014/main" id="{EEA378AB-6D55-7408-28FC-D45FB2C4EF4F}"/>
+                </a:ext>
+              </a:extLst>
+            </p:cNvPr>
+            <p:cNvSpPr/>
+            <p:nvPr/>
+          </p:nvSpPr>
+          <p:spPr>
+            <a:xfrm>
+              <a:off x="6678589" y="297873"/>
+              <a:ext cx="1508760" cy="1094509"/>
+            </a:xfrm>
+            <a:prstGeom prst="wedgeRectCallout">
+              <a:avLst>
+                <a:gd name="adj1" fmla="val -68123"/>
+                <a:gd name="adj2" fmla="val 176424"/>
+              </a:avLst>
+            </a:prstGeom>
+          </p:spPr>
+          <p:style>
+            <a:lnRef idx="2">
+              <a:schemeClr val="accent1">
+                <a:shade val="15000"/>
+              </a:schemeClr>
+            </a:lnRef>
+            <a:fillRef idx="1">
+              <a:schemeClr val="accent1"/>
+            </a:fillRef>
+            <a:effectRef idx="0">
+              <a:schemeClr val="accent1"/>
+            </a:effectRef>
+            <a:fontRef idx="minor">
+              <a:schemeClr val="lt1"/>
+            </a:fontRef>
+          </p:style>
+          <p:txBody>
+            <a:bodyPr rtlCol="0" anchor="ctr"/>
+            <a:lstStyle/>
+            <a:p>
+              <a:pPr algn="ctr"/>
+              <a:r>
+                <a:rPr lang="fr-FR" dirty="0"/>
+                <a:t>Audio out (line </a:t>
+              </a:r>
+              <a:r>
+                <a:rPr lang="fr-FR" dirty="0" err="1"/>
+                <a:t>level</a:t>
+              </a:r>
+              <a:r>
+                <a:rPr lang="fr-FR" dirty="0"/>
+                <a:t>)</a:t>
+              </a:r>
+            </a:p>
+          </p:txBody>
+        </p:sp>
+        <p:sp>
+          <p:nvSpPr>
+            <p:cNvPr id="9" name="Bulle narrative : rectangle 8">
+              <a:extLst>
+                <a:ext uri="{FF2B5EF4-FFF2-40B4-BE49-F238E27FC236}">
+                  <a16:creationId xmlns:a16="http://schemas.microsoft.com/office/drawing/2014/main" id="{1152BDA9-AD47-453E-F290-BF0E4273E64F}"/>
+                </a:ext>
+              </a:extLst>
+            </p:cNvPr>
+            <p:cNvSpPr/>
+            <p:nvPr/>
+          </p:nvSpPr>
+          <p:spPr>
+            <a:xfrm>
+              <a:off x="3901440" y="49750"/>
+              <a:ext cx="1508760" cy="995008"/>
+            </a:xfrm>
+            <a:prstGeom prst="wedgeRectCallout">
+              <a:avLst>
+                <a:gd name="adj1" fmla="val 66863"/>
+                <a:gd name="adj2" fmla="val 158702"/>
+              </a:avLst>
+            </a:prstGeom>
+          </p:spPr>
+          <p:style>
+            <a:lnRef idx="2">
+              <a:schemeClr val="accent1">
+                <a:shade val="15000"/>
+              </a:schemeClr>
+            </a:lnRef>
+            <a:fillRef idx="1">
+              <a:schemeClr val="accent1"/>
+            </a:fillRef>
+            <a:effectRef idx="0">
+              <a:schemeClr val="accent1"/>
+            </a:effectRef>
+            <a:fontRef idx="minor">
+              <a:schemeClr val="lt1"/>
+            </a:fontRef>
+          </p:style>
+          <p:txBody>
+            <a:bodyPr rtlCol="0" anchor="ctr"/>
+            <a:lstStyle/>
+            <a:p>
+              <a:pPr algn="ctr"/>
+              <a:r>
+                <a:rPr lang="fr-FR" dirty="0" err="1"/>
+                <a:t>GPIOs</a:t>
+              </a:r>
+              <a:r>
+                <a:rPr lang="fr-FR" dirty="0"/>
+                <a:t> for </a:t>
+              </a:r>
+              <a:r>
+                <a:rPr lang="fr-FR" dirty="0" err="1"/>
+                <a:t>external</a:t>
+              </a:r>
+              <a:r>
+                <a:rPr lang="fr-FR" dirty="0"/>
+                <a:t> </a:t>
+              </a:r>
+              <a:r>
+                <a:rPr lang="fr-FR" dirty="0" err="1"/>
+                <a:t>controller</a:t>
+              </a:r>
+              <a:endParaRPr lang="fr-FR" dirty="0"/>
+            </a:p>
+          </p:txBody>
+        </p:sp>
+      </p:grpSp>
+    </p:spTree>
+    <p:extLst>
+      <p:ext uri="{BB962C8B-B14F-4D97-AF65-F5344CB8AC3E}">
+        <p14:creationId xmlns:p14="http://schemas.microsoft.com/office/powerpoint/2010/main" val="2402564270"/>
+      </p:ext>
+    </p:extLst>
+  </p:cSld>
+  <p:clrMapOvr>
+    <a:masterClrMapping/>
+  </p:clrMapOvr>
+</p:sld>
+</file>
+
+<file path=ppt/slides/slide7.xml><?xml version="1.0" encoding="utf-8"?>
+<p:sld xmlns:a="http://schemas.openxmlformats.org/drawingml/2006/main" xmlns:r="http://schemas.openxmlformats.org/officeDocument/2006/relationships" xmlns:p="http://schemas.openxmlformats.org/presentationml/2006/main">
+  <p:cSld>
+    <p:spTree>
+      <p:nvGrpSpPr>
+        <p:cNvPr id="1" name=""/>
+        <p:cNvGrpSpPr/>
+        <p:nvPr/>
+      </p:nvGrpSpPr>
+      <p:grpSpPr>
+        <a:xfrm>
+          <a:off x="0" y="0"/>
+          <a:ext cx="0" cy="0"/>
+          <a:chOff x="0" y="0"/>
+          <a:chExt cx="0" cy="0"/>
+        </a:xfrm>
+      </p:grpSpPr>
+      <p:grpSp>
+        <p:nvGrpSpPr>
+          <p:cNvPr id="7" name="Groupe 6">
+            <a:extLst>
+              <a:ext uri="{FF2B5EF4-FFF2-40B4-BE49-F238E27FC236}">
+                <a16:creationId xmlns:a16="http://schemas.microsoft.com/office/drawing/2014/main" id="{287A80A4-2EDD-9A90-B3BC-80C3FDE46BEF}"/>
+              </a:ext>
+            </a:extLst>
+          </p:cNvPr>
+          <p:cNvGrpSpPr/>
+          <p:nvPr/>
+        </p:nvGrpSpPr>
+        <p:grpSpPr>
+          <a:xfrm>
+            <a:off x="1524000" y="0"/>
+            <a:ext cx="9144000" cy="6858000"/>
+            <a:chOff x="1524000" y="0"/>
+            <a:chExt cx="9144000" cy="6858000"/>
+          </a:xfrm>
+        </p:grpSpPr>
+        <p:pic>
+          <p:nvPicPr>
+            <p:cNvPr id="3" name="Image 2">
+              <a:extLst>
+                <a:ext uri="{FF2B5EF4-FFF2-40B4-BE49-F238E27FC236}">
+                  <a16:creationId xmlns:a16="http://schemas.microsoft.com/office/drawing/2014/main" id="{5B3B0A1F-C701-2D7D-9897-9B00C5B9F376}"/>
+                </a:ext>
+              </a:extLst>
+            </p:cNvPr>
+            <p:cNvPicPr>
+              <a:picLocks noChangeAspect="1"/>
+            </p:cNvPicPr>
+            <p:nvPr/>
+          </p:nvPicPr>
+          <p:blipFill>
+            <a:blip r:embed="rId2">
+              <a:extLst>
+                <a:ext uri="{28A0092B-C50C-407E-A947-70E740481C1C}">
+                  <a14:useLocalDpi xmlns:a14="http://schemas.microsoft.com/office/drawing/2010/main" val="0"/>
+                </a:ext>
+              </a:extLst>
+            </a:blip>
+            <a:stretch>
+              <a:fillRect/>
+            </a:stretch>
+          </p:blipFill>
+          <p:spPr>
+            <a:xfrm>
+              <a:off x="1524000" y="0"/>
+              <a:ext cx="9144000" cy="6858000"/>
+            </a:xfrm>
+            <a:prstGeom prst="rect">
+              <a:avLst/>
+            </a:prstGeom>
+          </p:spPr>
+        </p:pic>
+        <p:sp>
+          <p:nvSpPr>
+            <p:cNvPr id="4" name="Bulle narrative : rectangle 3">
+              <a:extLst>
+                <a:ext uri="{FF2B5EF4-FFF2-40B4-BE49-F238E27FC236}">
+                  <a16:creationId xmlns:a16="http://schemas.microsoft.com/office/drawing/2014/main" id="{610DF540-BEEE-EFAD-014D-87A864DE2F78}"/>
+                </a:ext>
+              </a:extLst>
+            </p:cNvPr>
+            <p:cNvSpPr/>
+            <p:nvPr/>
+          </p:nvSpPr>
+          <p:spPr>
+            <a:xfrm>
+              <a:off x="1684782" y="824346"/>
+              <a:ext cx="1659636" cy="1094509"/>
+            </a:xfrm>
+            <a:prstGeom prst="wedgeRectCallout">
+              <a:avLst>
+                <a:gd name="adj1" fmla="val 134665"/>
+                <a:gd name="adj2" fmla="val 101740"/>
+              </a:avLst>
+            </a:prstGeom>
+          </p:spPr>
+          <p:style>
+            <a:lnRef idx="2">
+              <a:schemeClr val="accent1">
+                <a:shade val="15000"/>
+              </a:schemeClr>
+            </a:lnRef>
+            <a:fillRef idx="1">
+              <a:schemeClr val="accent1"/>
+            </a:fillRef>
+            <a:effectRef idx="0">
+              <a:schemeClr val="accent1"/>
+            </a:effectRef>
+            <a:fontRef idx="minor">
+              <a:schemeClr val="lt1"/>
+            </a:fontRef>
+          </p:style>
+          <p:txBody>
+            <a:bodyPr rtlCol="0" anchor="ctr"/>
+            <a:lstStyle/>
+            <a:p>
+              <a:pPr algn="ctr"/>
+              <a:r>
+                <a:rPr lang="fr-FR" dirty="0"/>
+                <a:t>TRRS </a:t>
+              </a:r>
+              <a:r>
+                <a:rPr lang="fr-FR" dirty="0" err="1"/>
+                <a:t>cable</a:t>
+              </a:r>
+              <a:r>
+                <a:rPr lang="fr-FR" dirty="0"/>
+                <a:t> for </a:t>
+              </a:r>
+              <a:r>
+                <a:rPr lang="fr-FR" dirty="0" err="1"/>
+                <a:t>connection</a:t>
+              </a:r>
+              <a:r>
+                <a:rPr lang="fr-FR" dirty="0"/>
+                <a:t> to</a:t>
+              </a:r>
+              <a:br>
+                <a:rPr lang="fr-FR" dirty="0"/>
+              </a:br>
+              <a:r>
+                <a:rPr lang="fr-FR" dirty="0"/>
+                <a:t>3 </a:t>
+              </a:r>
+              <a:r>
+                <a:rPr lang="fr-FR" dirty="0" err="1"/>
+                <a:t>GPIOs</a:t>
+              </a:r>
+              <a:r>
+                <a:rPr lang="fr-FR" dirty="0"/>
+                <a:t> + GND</a:t>
+              </a:r>
+            </a:p>
+          </p:txBody>
+        </p:sp>
+        <p:sp>
+          <p:nvSpPr>
+            <p:cNvPr id="5" name="Bulle narrative : rectangle 4">
+              <a:extLst>
+                <a:ext uri="{FF2B5EF4-FFF2-40B4-BE49-F238E27FC236}">
+                  <a16:creationId xmlns:a16="http://schemas.microsoft.com/office/drawing/2014/main" id="{91082F56-00FA-154F-C43D-5188D0AAD49D}"/>
+                </a:ext>
+              </a:extLst>
+            </p:cNvPr>
+            <p:cNvSpPr/>
+            <p:nvPr/>
+          </p:nvSpPr>
+          <p:spPr>
+            <a:xfrm>
+              <a:off x="7523393" y="1808019"/>
+              <a:ext cx="2008160" cy="1094509"/>
+            </a:xfrm>
+            <a:prstGeom prst="wedgeRectCallout">
+              <a:avLst>
+                <a:gd name="adj1" fmla="val -31459"/>
+                <a:gd name="adj2" fmla="val 120727"/>
+              </a:avLst>
+            </a:prstGeom>
+          </p:spPr>
+          <p:style>
+            <a:lnRef idx="2">
+              <a:schemeClr val="accent1">
+                <a:shade val="15000"/>
+              </a:schemeClr>
+            </a:lnRef>
+            <a:fillRef idx="1">
+              <a:schemeClr val="accent1"/>
+            </a:fillRef>
+            <a:effectRef idx="0">
+              <a:schemeClr val="accent1"/>
+            </a:effectRef>
+            <a:fontRef idx="minor">
+              <a:schemeClr val="lt1"/>
+            </a:fontRef>
+          </p:style>
+          <p:txBody>
+            <a:bodyPr rtlCol="0" anchor="ctr"/>
+            <a:lstStyle/>
+            <a:p>
+              <a:pPr algn="ctr"/>
+              <a:r>
+                <a:rPr lang="fr-FR" dirty="0" err="1"/>
+                <a:t>Recycled</a:t>
+              </a:r>
+              <a:r>
+                <a:rPr lang="fr-FR" dirty="0"/>
+                <a:t> PC keyboard switches and key caps</a:t>
+              </a:r>
+            </a:p>
+          </p:txBody>
+        </p:sp>
+        <p:sp>
+          <p:nvSpPr>
+            <p:cNvPr id="6" name="Bulle narrative : rectangle 5">
+              <a:extLst>
+                <a:ext uri="{FF2B5EF4-FFF2-40B4-BE49-F238E27FC236}">
+                  <a16:creationId xmlns:a16="http://schemas.microsoft.com/office/drawing/2014/main" id="{A19B86BF-A7CD-9402-D278-CE549B6D36CE}"/>
+                </a:ext>
+              </a:extLst>
+            </p:cNvPr>
+            <p:cNvSpPr/>
+            <p:nvPr/>
+          </p:nvSpPr>
+          <p:spPr>
+            <a:xfrm>
+              <a:off x="8174181" y="5593772"/>
+              <a:ext cx="2008160" cy="1094509"/>
+            </a:xfrm>
+            <a:prstGeom prst="wedgeRectCallout">
+              <a:avLst>
+                <a:gd name="adj1" fmla="val -114938"/>
+                <a:gd name="adj2" fmla="val -113450"/>
+              </a:avLst>
+            </a:prstGeom>
+          </p:spPr>
+          <p:style>
+            <a:lnRef idx="2">
+              <a:schemeClr val="accent1">
+                <a:shade val="15000"/>
+              </a:schemeClr>
+            </a:lnRef>
+            <a:fillRef idx="1">
+              <a:schemeClr val="accent1"/>
+            </a:fillRef>
+            <a:effectRef idx="0">
+              <a:schemeClr val="accent1"/>
+            </a:effectRef>
+            <a:fontRef idx="minor">
+              <a:schemeClr val="lt1"/>
+            </a:fontRef>
+          </p:style>
+          <p:txBody>
+            <a:bodyPr rtlCol="0" anchor="ctr"/>
+            <a:lstStyle/>
+            <a:p>
+              <a:pPr algn="ctr"/>
+              <a:r>
+                <a:rPr lang="fr-FR" dirty="0"/>
+                <a:t>PVC tube + 3D </a:t>
+              </a:r>
+              <a:r>
+                <a:rPr lang="fr-FR" dirty="0" err="1"/>
+                <a:t>printed</a:t>
+              </a:r>
+              <a:r>
+                <a:rPr lang="fr-FR" dirty="0"/>
+                <a:t> keys </a:t>
+              </a:r>
+              <a:r>
+                <a:rPr lang="fr-FR" dirty="0" err="1"/>
+                <a:t>holdster</a:t>
+              </a:r>
+              <a:endParaRPr lang="fr-FR" dirty="0"/>
+            </a:p>
+          </p:txBody>
+        </p:sp>
+      </p:grpSp>
+    </p:spTree>
+    <p:extLst>
+      <p:ext uri="{BB962C8B-B14F-4D97-AF65-F5344CB8AC3E}">
+        <p14:creationId xmlns:p14="http://schemas.microsoft.com/office/powerpoint/2010/main" val="708779913"/>
+      </p:ext>
+    </p:extLst>
+  </p:cSld>
+  <p:clrMapOvr>
+    <a:masterClrMapping/>
+  </p:clrMapOvr>
+</p:sld>
+</file>
+
+<file path=ppt/slides/slide8.xml><?xml version="1.0" encoding="utf-8"?>
+<p:sld xmlns:a="http://schemas.openxmlformats.org/drawingml/2006/main" xmlns:r="http://schemas.openxmlformats.org/officeDocument/2006/relationships" xmlns:p="http://schemas.openxmlformats.org/presentationml/2006/main">
+  <p:cSld>
+    <p:spTree>
+      <p:nvGrpSpPr>
+        <p:cNvPr id="1" name=""/>
+        <p:cNvGrpSpPr/>
+        <p:nvPr/>
+      </p:nvGrpSpPr>
+      <p:grpSpPr>
+        <a:xfrm>
+          <a:off x="0" y="0"/>
+          <a:ext cx="0" cy="0"/>
+          <a:chOff x="0" y="0"/>
+          <a:chExt cx="0" cy="0"/>
+        </a:xfrm>
+      </p:grpSpPr>
       <p:pic>
         <p:nvPicPr>
           <p:cNvPr id="3074" name="Picture 2" descr="See the source image">
